--- a/mqtt_data.pptx
+++ b/mqtt_data.pptx
@@ -128,7 +128,8 @@
 <file path=ppt/revisionInfo.xml><?xml version="1.0" encoding="utf-8"?>
 <p1510:revInfo xmlns:a="http://schemas.openxmlformats.org/drawingml/2006/main" xmlns:r="http://schemas.openxmlformats.org/officeDocument/2006/relationships" xmlns:p1510="http://schemas.microsoft.com/office/powerpoint/2015/10/main">
   <p1510:revLst>
-    <p1510:client id="{A3988645-E6D1-4A8E-AD1E-5A269D0B408D}" v="772" dt="2022-04-27T05:21:25.492"/>
+    <p1510:client id="{A3988645-E6D1-4A8E-AD1E-5A269D0B408D}" v="783" dt="2022-04-27T05:59:33.587"/>
+    <p1510:client id="{C1AF9EB9-E20E-CD4F-DA0F-1B635579FEA9}" v="73" dt="2022-04-27T23:34:18.895"/>
   </p1510:revLst>
 </p1510:revInfo>
 </file>
@@ -262,7 +263,7 @@
           <a:p>
             <a:fld id="{2566825D-2B69-4989-8861-A6901ABADB6C}" type="datetimeFigureOut">
               <a:rPr lang="ko-KR" altLang="en-US" smtClean="0"/>
-              <a:t>2022-04-26</a:t>
+              <a:t>2022-04-27</a:t>
             </a:fld>
             <a:endParaRPr lang="ko-KR" altLang="en-US"/>
           </a:p>
@@ -430,7 +431,7 @@
           <a:p>
             <a:fld id="{2566825D-2B69-4989-8861-A6901ABADB6C}" type="datetimeFigureOut">
               <a:rPr lang="ko-KR" altLang="en-US" smtClean="0"/>
-              <a:t>2022-04-26</a:t>
+              <a:t>2022-04-27</a:t>
             </a:fld>
             <a:endParaRPr lang="ko-KR" altLang="en-US"/>
           </a:p>
@@ -608,7 +609,7 @@
           <a:p>
             <a:fld id="{2566825D-2B69-4989-8861-A6901ABADB6C}" type="datetimeFigureOut">
               <a:rPr lang="ko-KR" altLang="en-US" smtClean="0"/>
-              <a:t>2022-04-26</a:t>
+              <a:t>2022-04-27</a:t>
             </a:fld>
             <a:endParaRPr lang="ko-KR" altLang="en-US"/>
           </a:p>
@@ -835,7 +836,7 @@
           <a:p>
             <a:fld id="{9E016143-E03C-4CFD-AFDC-14E5BDEA754C}" type="datetimeFigureOut">
               <a:rPr lang="en-US" dirty="0"/>
-              <a:t>4/26/2022</a:t>
+              <a:t>4/27/2022</a:t>
             </a:fld>
             <a:endParaRPr lang="en-US"/>
           </a:p>
@@ -1062,7 +1063,7 @@
           <a:p>
             <a:fld id="{78C94063-DF36-4330-A365-08DA1FA5B7D6}" type="datetimeFigureOut">
               <a:rPr lang="en-US" dirty="0"/>
-              <a:t>4/26/2022</a:t>
+              <a:t>4/27/2022</a:t>
             </a:fld>
             <a:endParaRPr lang="en-US"/>
           </a:p>
@@ -1315,7 +1316,7 @@
           <a:p>
             <a:fld id="{908A7C6C-0F39-4D70-8E8D-FE5B9C95FA73}" type="datetimeFigureOut">
               <a:rPr lang="en-US" dirty="0"/>
-              <a:t>4/26/2022</a:t>
+              <a:t>4/27/2022</a:t>
             </a:fld>
             <a:endParaRPr lang="en-US"/>
           </a:p>
@@ -1638,7 +1639,7 @@
           <a:p>
             <a:fld id="{DFCFA4AC-08CC-42CE-BD01-C191750A04EC}" type="datetimeFigureOut">
               <a:rPr lang="en-US" dirty="0"/>
-              <a:t>4/26/2022</a:t>
+              <a:t>4/27/2022</a:t>
             </a:fld>
             <a:endParaRPr lang="en-US"/>
           </a:p>
@@ -2086,7 +2087,7 @@
           <a:p>
             <a:fld id="{1BA7A723-92A7-435B-B681-F25B092FEFEB}" type="datetimeFigureOut">
               <a:rPr lang="en-US" dirty="0"/>
-              <a:t>4/26/2022</a:t>
+              <a:t>4/27/2022</a:t>
             </a:fld>
             <a:endParaRPr lang="en-US"/>
           </a:p>
@@ -2203,7 +2204,7 @@
           <a:p>
             <a:fld id="{4F170639-886C-4FCF-9EAB-ABB5DA3F3F4A}" type="datetimeFigureOut">
               <a:rPr lang="en-US" dirty="0"/>
-              <a:t>4/26/2022</a:t>
+              <a:t>4/27/2022</a:t>
             </a:fld>
             <a:endParaRPr lang="en-US"/>
           </a:p>
@@ -2298,7 +2299,7 @@
           <a:p>
             <a:fld id="{22230651-31F4-45D2-98AE-A2108F41BC07}" type="datetimeFigureOut">
               <a:rPr lang="en-US" dirty="0"/>
-              <a:t>4/26/2022</a:t>
+              <a:t>4/27/2022</a:t>
             </a:fld>
             <a:endParaRPr lang="en-US"/>
           </a:p>
@@ -2583,7 +2584,7 @@
           <a:p>
             <a:fld id="{6F53789A-C914-4DB1-8815-80B5EC7335C5}" type="datetimeFigureOut">
               <a:rPr lang="en-US" dirty="0"/>
-              <a:t>4/26/2022</a:t>
+              <a:t>4/27/2022</a:t>
             </a:fld>
             <a:endParaRPr lang="en-US"/>
           </a:p>
@@ -2751,7 +2752,7 @@
           <a:p>
             <a:fld id="{2566825D-2B69-4989-8861-A6901ABADB6C}" type="datetimeFigureOut">
               <a:rPr lang="ko-KR" altLang="en-US" smtClean="0"/>
-              <a:t>2022-04-26</a:t>
+              <a:t>2022-04-27</a:t>
             </a:fld>
             <a:endParaRPr lang="ko-KR" altLang="en-US"/>
           </a:p>
@@ -3071,7 +3072,7 @@
           <a:p>
             <a:fld id="{5E6440AA-91A0-436F-8FDB-C0F939DCAE21}" type="datetimeFigureOut">
               <a:rPr lang="en-US" dirty="0"/>
-              <a:t>4/26/2022</a:t>
+              <a:t>4/27/2022</a:t>
             </a:fld>
             <a:endParaRPr lang="en-US"/>
           </a:p>
@@ -3239,7 +3240,7 @@
           <a:p>
             <a:fld id="{C033E54A-A8CA-48C1-9504-691B58049D29}" type="datetimeFigureOut">
               <a:rPr lang="en-US" dirty="0"/>
-              <a:t>4/26/2022</a:t>
+              <a:t>4/27/2022</a:t>
             </a:fld>
             <a:endParaRPr lang="en-US"/>
           </a:p>
@@ -3417,7 +3418,7 @@
           <a:p>
             <a:fld id="{B5F6C806-BBF7-471C-9527-881CE2266695}" type="datetimeFigureOut">
               <a:rPr lang="en-US" dirty="0"/>
-              <a:t>4/26/2022</a:t>
+              <a:t>4/27/2022</a:t>
             </a:fld>
             <a:endParaRPr lang="en-US"/>
           </a:p>
@@ -3662,7 +3663,7 @@
           <a:p>
             <a:fld id="{2566825D-2B69-4989-8861-A6901ABADB6C}" type="datetimeFigureOut">
               <a:rPr lang="ko-KR" altLang="en-US" smtClean="0"/>
-              <a:t>2022-04-26</a:t>
+              <a:t>2022-04-27</a:t>
             </a:fld>
             <a:endParaRPr lang="ko-KR" altLang="en-US"/>
           </a:p>
@@ -3891,7 +3892,7 @@
           <a:p>
             <a:fld id="{2566825D-2B69-4989-8861-A6901ABADB6C}" type="datetimeFigureOut">
               <a:rPr lang="ko-KR" altLang="en-US" smtClean="0"/>
-              <a:t>2022-04-26</a:t>
+              <a:t>2022-04-27</a:t>
             </a:fld>
             <a:endParaRPr lang="ko-KR" altLang="en-US"/>
           </a:p>
@@ -4255,7 +4256,7 @@
           <a:p>
             <a:fld id="{2566825D-2B69-4989-8861-A6901ABADB6C}" type="datetimeFigureOut">
               <a:rPr lang="ko-KR" altLang="en-US" smtClean="0"/>
-              <a:t>2022-04-26</a:t>
+              <a:t>2022-04-27</a:t>
             </a:fld>
             <a:endParaRPr lang="ko-KR" altLang="en-US"/>
           </a:p>
@@ -4372,7 +4373,7 @@
           <a:p>
             <a:fld id="{2566825D-2B69-4989-8861-A6901ABADB6C}" type="datetimeFigureOut">
               <a:rPr lang="ko-KR" altLang="en-US" smtClean="0"/>
-              <a:t>2022-04-26</a:t>
+              <a:t>2022-04-27</a:t>
             </a:fld>
             <a:endParaRPr lang="ko-KR" altLang="en-US"/>
           </a:p>
@@ -4467,7 +4468,7 @@
           <a:p>
             <a:fld id="{2566825D-2B69-4989-8861-A6901ABADB6C}" type="datetimeFigureOut">
               <a:rPr lang="ko-KR" altLang="en-US" smtClean="0"/>
-              <a:t>2022-04-26</a:t>
+              <a:t>2022-04-27</a:t>
             </a:fld>
             <a:endParaRPr lang="ko-KR" altLang="en-US"/>
           </a:p>
@@ -4742,7 +4743,7 @@
           <a:p>
             <a:fld id="{2566825D-2B69-4989-8861-A6901ABADB6C}" type="datetimeFigureOut">
               <a:rPr lang="ko-KR" altLang="en-US" smtClean="0"/>
-              <a:t>2022-04-26</a:t>
+              <a:t>2022-04-27</a:t>
             </a:fld>
             <a:endParaRPr lang="ko-KR" altLang="en-US"/>
           </a:p>
@@ -4994,7 +4995,7 @@
           <a:p>
             <a:fld id="{2566825D-2B69-4989-8861-A6901ABADB6C}" type="datetimeFigureOut">
               <a:rPr lang="ko-KR" altLang="en-US" smtClean="0"/>
-              <a:t>2022-04-26</a:t>
+              <a:t>2022-04-27</a:t>
             </a:fld>
             <a:endParaRPr lang="ko-KR" altLang="en-US"/>
           </a:p>
@@ -5205,7 +5206,7 @@
           <a:p>
             <a:fld id="{2566825D-2B69-4989-8861-A6901ABADB6C}" type="datetimeFigureOut">
               <a:rPr lang="ko-KR" altLang="en-US" smtClean="0"/>
-              <a:t>2022-04-26</a:t>
+              <a:t>2022-04-27</a:t>
             </a:fld>
             <a:endParaRPr lang="ko-KR" altLang="en-US"/>
           </a:p>
@@ -5784,7 +5785,7 @@
           <a:p>
             <a:fld id="{0E59FD0C-5451-4CA0-86AF-E70AE3279989}" type="datetimeFigureOut">
               <a:rPr lang="en-US" dirty="0"/>
-              <a:t>4/26/2022</a:t>
+              <a:t>4/27/2022</a:t>
             </a:fld>
             <a:endParaRPr lang="en-US"/>
           </a:p>
@@ -6680,7 +6681,7 @@
         <p:spPr>
           <a:xfrm>
             <a:off x="459317" y="797982"/>
-            <a:ext cx="5717457" cy="2308324"/>
+            <a:ext cx="5717457" cy="2677656"/>
           </a:xfrm>
           <a:prstGeom prst="rect">
             <a:avLst/>
@@ -6704,10 +6705,7 @@
               </a:rPr>
               <a:t>https://www.youtube.com/watch?v=ERPhUsmbhMo</a:t>
             </a:r>
-            <a:endParaRPr lang="ko-KR" dirty="0">
-              <a:ea typeface="맑은 고딕" panose="020B0503020000020004" pitchFamily="34" charset="-127"/>
-              <a:cs typeface="+mn-lt"/>
-            </a:endParaRPr>
+            <a:endParaRPr lang="ko-KR"/>
           </a:p>
           <a:p>
             <a:r>
@@ -6718,7 +6716,9 @@
               </a:rPr>
               <a:t>https://www.youtube.com/watch?v=K6Q1Sd9edCw</a:t>
             </a:r>
-            <a:endParaRPr lang="ko-KR"/>
+            <a:endParaRPr lang="en-US" altLang="ko-KR" sz="1200" dirty="0">
+              <a:hlinkClick r:id="rId3"/>
+            </a:endParaRPr>
           </a:p>
           <a:p>
             <a:r>
@@ -6729,11 +6729,14 @@
               </a:rPr>
               <a:t>https://www.youtube.com/watch?v=5bJVr2d6IL0</a:t>
             </a:r>
-            <a:endParaRPr lang="en-US"/>
+            <a:endParaRPr lang="en-US" sz="1200" dirty="0">
+              <a:hlinkClick r:id="rId4"/>
+            </a:endParaRPr>
           </a:p>
           <a:p>
             <a:endParaRPr lang="en-US" sz="1200" dirty="0">
               <a:ea typeface="맑은 고딕"/>
+              <a:hlinkClick r:id="rId4"/>
             </a:endParaRPr>
           </a:p>
           <a:p>
@@ -6745,7 +6748,9 @@
               </a:rPr>
               <a:t>https://dejavuhyo.github.io/posts/mqtt-concept/</a:t>
             </a:r>
-            <a:endParaRPr lang="en-US" dirty="0"/>
+            <a:endParaRPr lang="en-US" sz="1200" dirty="0">
+              <a:hlinkClick r:id="rId5"/>
+            </a:endParaRPr>
           </a:p>
           <a:p>
             <a:r>
@@ -6756,7 +6761,9 @@
               </a:rPr>
               <a:t>https://webnautes.tistory.com/1644</a:t>
             </a:r>
-            <a:endParaRPr lang="en-US"/>
+            <a:endParaRPr lang="en-US" sz="1200" dirty="0">
+              <a:hlinkClick r:id="rId6"/>
+            </a:endParaRPr>
           </a:p>
           <a:p>
             <a:r>
@@ -6767,7 +6774,23 @@
               </a:rPr>
               <a:t>https://blog.neonkid.xyz/126</a:t>
             </a:r>
-            <a:endParaRPr lang="en-US" dirty="0"/>
+            <a:endParaRPr lang="en-US" sz="1200" dirty="0">
+              <a:hlinkClick r:id="rId7"/>
+            </a:endParaRPr>
+          </a:p>
+          <a:p>
+            <a:r>
+              <a:rPr lang="en-US" sz="1200" dirty="0">
+                <a:ea typeface="+mn-lt"/>
+                <a:cs typeface="+mn-lt"/>
+                <a:hlinkClick r:id="rId8"/>
+              </a:rPr>
+              <a:t>https://wnsgml972.github.io/mqtt/2018/04/08/mqtt_mosquitto/</a:t>
+            </a:r>
+            <a:endParaRPr lang="en-US">
+              <a:ea typeface="+mn-lt"/>
+              <a:cs typeface="+mn-lt"/>
+            </a:endParaRPr>
           </a:p>
           <a:p>
             <a:endParaRPr lang="en-US" sz="1200" dirty="0">
@@ -6777,20 +6800,31 @@
           <a:p>
             <a:endParaRPr lang="en-US" sz="1200" dirty="0">
               <a:ea typeface="맑은 고딕"/>
+              <a:hlinkClick r:id="rId7"/>
             </a:endParaRPr>
           </a:p>
           <a:p>
+            <a:endParaRPr lang="en-US" sz="1200" dirty="0">
+              <a:ea typeface="맑은 고딕"/>
+              <a:hlinkClick r:id="rId7"/>
+            </a:endParaRPr>
+          </a:p>
+          <a:p>
+            <a:endParaRPr lang="en-US" sz="1200" dirty="0">
+              <a:ea typeface="맑은 고딕"/>
+              <a:hlinkClick r:id="rId7"/>
+            </a:endParaRPr>
+          </a:p>
+          <a:p>
+            <a:endParaRPr lang="en-US" sz="1200" dirty="0">
+              <a:ea typeface="맑은 고딕"/>
+              <a:hlinkClick r:id="rId7"/>
+            </a:endParaRPr>
+          </a:p>
+          <a:p>
             <a:endParaRPr lang="en-US" altLang="ko-KR" sz="1200" dirty="0">
-              <a:ea typeface="맑은 고딕"/>
+              <a:hlinkClick r:id="rId7"/>
             </a:endParaRPr>
-          </a:p>
-          <a:p>
-            <a:endParaRPr lang="en-US" altLang="ko-KR" sz="1200" dirty="0">
-              <a:ea typeface="맑은 고딕"/>
-            </a:endParaRPr>
-          </a:p>
-          <a:p>
-            <a:endParaRPr lang="ko-KR" altLang="en-US" sz="1200" dirty="0"/>
           </a:p>
         </p:txBody>
       </p:sp>
@@ -7911,10 +7945,10 @@
       </p:cxnSp>
       <p:grpSp>
         <p:nvGrpSpPr>
-          <p:cNvPr id="45" name="그룹 44">
+          <p:cNvPr id="16" name="그룹 15">
             <a:extLst>
               <a:ext uri="{FF2B5EF4-FFF2-40B4-BE49-F238E27FC236}">
-                <a16:creationId xmlns:a16="http://schemas.microsoft.com/office/drawing/2014/main" id="{B37E91A7-F36B-D29E-0B96-B8787CE97155}"/>
+                <a16:creationId xmlns:a16="http://schemas.microsoft.com/office/drawing/2014/main" id="{BF6981AE-C414-51BA-7B8F-CECCDC8D8399}"/>
               </a:ext>
             </a:extLst>
           </p:cNvPr>
@@ -7923,18 +7957,92 @@
         </p:nvGrpSpPr>
         <p:grpSpPr>
           <a:xfrm>
-            <a:off x="854427" y="972607"/>
-            <a:ext cx="3775428" cy="5223318"/>
-            <a:chOff x="833260" y="351718"/>
-            <a:chExt cx="3775428" cy="5223318"/>
+            <a:off x="1727553" y="1438275"/>
+            <a:ext cx="2094089" cy="1166638"/>
+            <a:chOff x="1579386" y="2002719"/>
+            <a:chExt cx="2094089" cy="1166638"/>
           </a:xfrm>
         </p:grpSpPr>
+        <p:sp>
+          <p:nvSpPr>
+            <p:cNvPr id="10" name="타원 9">
+              <a:extLst>
+                <a:ext uri="{FF2B5EF4-FFF2-40B4-BE49-F238E27FC236}">
+                  <a16:creationId xmlns:a16="http://schemas.microsoft.com/office/drawing/2014/main" id="{5D1A8A9A-C5DC-4172-BC16-0FB2B061CB2D}"/>
+                </a:ext>
+              </a:extLst>
+            </p:cNvPr>
+            <p:cNvSpPr/>
+            <p:nvPr/>
+          </p:nvSpPr>
+          <p:spPr>
+            <a:xfrm>
+              <a:off x="1745898" y="2458506"/>
+              <a:ext cx="762001" cy="515057"/>
+            </a:xfrm>
+            <a:prstGeom prst="ellipse">
+              <a:avLst/>
+            </a:prstGeom>
+            <a:noFill/>
+            <a:ln>
+              <a:solidFill>
+                <a:srgbClr val="00B0F0"/>
+              </a:solidFill>
+            </a:ln>
+          </p:spPr>
+          <p:style>
+            <a:lnRef idx="2">
+              <a:schemeClr val="accent1">
+                <a:shade val="50000"/>
+              </a:schemeClr>
+            </a:lnRef>
+            <a:fillRef idx="1">
+              <a:schemeClr val="accent1"/>
+            </a:fillRef>
+            <a:effectRef idx="0">
+              <a:schemeClr val="accent1"/>
+            </a:effectRef>
+            <a:fontRef idx="minor">
+              <a:schemeClr val="lt1"/>
+            </a:fontRef>
+          </p:style>
+          <p:txBody>
+            <a:bodyPr rtlCol="0" anchor="ctr"/>
+            <a:lstStyle/>
+            <a:p>
+              <a:pPr algn="ctr"/>
+              <a:r>
+                <a:rPr lang="ko-KR" altLang="en-US" sz="800" dirty="0" err="1">
+                  <a:ea typeface="맑은 고딕"/>
+                </a:rPr>
+                <a:t>Sensor</a:t>
+              </a:r>
+              <a:r>
+                <a:rPr lang="ko-KR" altLang="en-US" sz="800" dirty="0">
+                  <a:ea typeface="맑은 고딕"/>
+                </a:rPr>
+                <a:t> </a:t>
+              </a:r>
+              <a:endParaRPr lang="ko-KR" dirty="0"/>
+            </a:p>
+            <a:p>
+              <a:pPr algn="ctr"/>
+              <a:r>
+                <a:rPr lang="ko-KR" altLang="en-US" sz="800" dirty="0">
+                  <a:ea typeface="맑은 고딕"/>
+                </a:rPr>
+                <a:t>Node1</a:t>
+              </a:r>
+              <a:endParaRPr lang="ko-KR" dirty="0"/>
+            </a:p>
+          </p:txBody>
+        </p:sp>
         <p:grpSp>
           <p:nvGrpSpPr>
-            <p:cNvPr id="16" name="그룹 15">
+            <p:cNvPr id="11" name="그룹 10">
               <a:extLst>
                 <a:ext uri="{FF2B5EF4-FFF2-40B4-BE49-F238E27FC236}">
-                  <a16:creationId xmlns:a16="http://schemas.microsoft.com/office/drawing/2014/main" id="{BF6981AE-C414-51BA-7B8F-CECCDC8D8399}"/>
+                  <a16:creationId xmlns:a16="http://schemas.microsoft.com/office/drawing/2014/main" id="{5AFAE34C-6721-5317-7D5A-EF236BBF0EED}"/>
                 </a:ext>
               </a:extLst>
             </p:cNvPr>
@@ -7943,18 +8051,18 @@
           </p:nvGrpSpPr>
           <p:grpSpPr>
             <a:xfrm>
-              <a:off x="1706386" y="817386"/>
+              <a:off x="1579386" y="2002719"/>
               <a:ext cx="2094089" cy="1166638"/>
-              <a:chOff x="1579386" y="2002719"/>
+              <a:chOff x="2856441" y="2581274"/>
               <a:chExt cx="2094089" cy="1166638"/>
             </a:xfrm>
           </p:grpSpPr>
           <p:sp>
             <p:nvSpPr>
-              <p:cNvPr id="10" name="타원 9">
+              <p:cNvPr id="14" name="사각형: 둥근 모서리 13">
                 <a:extLst>
                   <a:ext uri="{FF2B5EF4-FFF2-40B4-BE49-F238E27FC236}">
-                    <a16:creationId xmlns:a16="http://schemas.microsoft.com/office/drawing/2014/main" id="{5D1A8A9A-C5DC-4172-BC16-0FB2B061CB2D}"/>
+                    <a16:creationId xmlns:a16="http://schemas.microsoft.com/office/drawing/2014/main" id="{6FBE8C12-AC56-3F92-CD7D-8E6F0ECD442B}"/>
                   </a:ext>
                 </a:extLst>
               </p:cNvPr>
@@ -7963,16 +8071,16 @@
             </p:nvSpPr>
             <p:spPr>
               <a:xfrm>
-                <a:off x="1745898" y="2458506"/>
-                <a:ext cx="762001" cy="515057"/>
+                <a:off x="2950633" y="2767189"/>
+                <a:ext cx="1897944" cy="980723"/>
               </a:xfrm>
-              <a:prstGeom prst="ellipse">
+              <a:prstGeom prst="roundRect">
                 <a:avLst/>
               </a:prstGeom>
               <a:noFill/>
               <a:ln>
                 <a:solidFill>
-                  <a:srgbClr val="00B0F0"/>
+                  <a:srgbClr val="FFFF00"/>
                 </a:solidFill>
               </a:ln>
             </p:spPr>
@@ -7997,289 +8105,215 @@
               <a:lstStyle/>
               <a:p>
                 <a:pPr algn="ctr"/>
-                <a:r>
-                  <a:rPr lang="ko-KR" altLang="en-US" sz="800" dirty="0" err="1">
-                    <a:ea typeface="맑은 고딕"/>
-                  </a:rPr>
-                  <a:t>Sensor</a:t>
-                </a:r>
-                <a:r>
-                  <a:rPr lang="ko-KR" altLang="en-US" sz="800" dirty="0">
-                    <a:ea typeface="맑은 고딕"/>
-                  </a:rPr>
-                  <a:t> </a:t>
-                </a:r>
-                <a:endParaRPr lang="ko-KR" dirty="0"/>
-              </a:p>
-              <a:p>
-                <a:pPr algn="ctr"/>
-                <a:r>
-                  <a:rPr lang="ko-KR" altLang="en-US" sz="800" dirty="0">
-                    <a:ea typeface="맑은 고딕"/>
-                  </a:rPr>
-                  <a:t>Node1</a:t>
-                </a:r>
-                <a:endParaRPr lang="ko-KR" dirty="0"/>
+                <a:endParaRPr lang="ko-KR" altLang="en-US"/>
               </a:p>
             </p:txBody>
           </p:sp>
-          <p:grpSp>
-            <p:nvGrpSpPr>
-              <p:cNvPr id="11" name="그룹 10">
+          <p:sp>
+            <p:nvSpPr>
+              <p:cNvPr id="15" name="TextBox 14">
                 <a:extLst>
                   <a:ext uri="{FF2B5EF4-FFF2-40B4-BE49-F238E27FC236}">
-                    <a16:creationId xmlns:a16="http://schemas.microsoft.com/office/drawing/2014/main" id="{5AFAE34C-6721-5317-7D5A-EF236BBF0EED}"/>
+                    <a16:creationId xmlns:a16="http://schemas.microsoft.com/office/drawing/2014/main" id="{F5868C8E-469F-C966-3982-F09768ECBB8B}"/>
                   </a:ext>
                 </a:extLst>
               </p:cNvPr>
-              <p:cNvGrpSpPr/>
-              <p:nvPr/>
-            </p:nvGrpSpPr>
-            <p:grpSpPr>
-              <a:xfrm>
-                <a:off x="1579386" y="2002719"/>
-                <a:ext cx="2094089" cy="1166638"/>
-                <a:chOff x="2856441" y="2581274"/>
-                <a:chExt cx="2094089" cy="1166638"/>
-              </a:xfrm>
-            </p:grpSpPr>
-            <p:sp>
-              <p:nvSpPr>
-                <p:cNvPr id="14" name="사각형: 둥근 모서리 13">
-                  <a:extLst>
-                    <a:ext uri="{FF2B5EF4-FFF2-40B4-BE49-F238E27FC236}">
-                      <a16:creationId xmlns:a16="http://schemas.microsoft.com/office/drawing/2014/main" id="{6FBE8C12-AC56-3F92-CD7D-8E6F0ECD442B}"/>
-                    </a:ext>
-                  </a:extLst>
-                </p:cNvPr>
-                <p:cNvSpPr/>
-                <p:nvPr/>
-              </p:nvSpPr>
-              <p:spPr>
-                <a:xfrm>
-                  <a:off x="2950633" y="2767189"/>
-                  <a:ext cx="1897944" cy="980723"/>
-                </a:xfrm>
-                <a:prstGeom prst="roundRect">
-                  <a:avLst/>
-                </a:prstGeom>
-                <a:noFill/>
-                <a:ln>
-                  <a:solidFill>
-                    <a:srgbClr val="FFFF00"/>
-                  </a:solidFill>
-                </a:ln>
-              </p:spPr>
-              <p:style>
-                <a:lnRef idx="2">
-                  <a:schemeClr val="accent1">
-                    <a:shade val="50000"/>
-                  </a:schemeClr>
-                </a:lnRef>
-                <a:fillRef idx="1">
-                  <a:schemeClr val="accent1"/>
-                </a:fillRef>
-                <a:effectRef idx="0">
-                  <a:schemeClr val="accent1"/>
-                </a:effectRef>
-                <a:fontRef idx="minor">
-                  <a:schemeClr val="lt1"/>
-                </a:fontRef>
-              </p:style>
-              <p:txBody>
-                <a:bodyPr rtlCol="0" anchor="ctr"/>
-                <a:lstStyle/>
-                <a:p>
-                  <a:pPr algn="ctr"/>
-                  <a:endParaRPr lang="ko-KR" altLang="en-US"/>
-                </a:p>
-              </p:txBody>
-            </p:sp>
-            <p:sp>
-              <p:nvSpPr>
-                <p:cNvPr id="15" name="TextBox 14">
-                  <a:extLst>
-                    <a:ext uri="{FF2B5EF4-FFF2-40B4-BE49-F238E27FC236}">
-                      <a16:creationId xmlns:a16="http://schemas.microsoft.com/office/drawing/2014/main" id="{F5868C8E-469F-C966-3982-F09768ECBB8B}"/>
-                    </a:ext>
-                  </a:extLst>
-                </p:cNvPr>
-                <p:cNvSpPr txBox="1"/>
-                <p:nvPr/>
-              </p:nvSpPr>
-              <p:spPr>
-                <a:xfrm>
-                  <a:off x="2856441" y="2581274"/>
-                  <a:ext cx="2094089" cy="307777"/>
-                </a:xfrm>
-                <a:prstGeom prst="rect">
-                  <a:avLst/>
-                </a:prstGeom>
-                <a:noFill/>
-              </p:spPr>
-              <p:txBody>
-                <a:bodyPr rot="0" spcFirstLastPara="0" vertOverflow="overflow" horzOverflow="overflow" vert="horz" wrap="square" lIns="91440" tIns="45720" rIns="91440" bIns="45720" numCol="1" spcCol="0" rtlCol="0" fromWordArt="0" anchor="t" anchorCtr="0" forceAA="0" compatLnSpc="1">
-                  <a:prstTxWarp prst="textNoShape">
-                    <a:avLst/>
-                  </a:prstTxWarp>
-                  <a:spAutoFit/>
-                </a:bodyPr>
-                <a:lstStyle/>
-                <a:p>
-                  <a:pPr algn="ctr"/>
-                  <a:r>
-                    <a:rPr lang="ko-KR" altLang="en-US" sz="1400" b="1" dirty="0" err="1">
-                      <a:ea typeface="맑은 고딕"/>
-                    </a:rPr>
-                    <a:t>Cona-Brain</a:t>
-                  </a:r>
-                  <a:r>
-                    <a:rPr lang="ko-KR" altLang="en-US" sz="1400" b="1" dirty="0">
-                      <a:ea typeface="맑은 고딕"/>
-                    </a:rPr>
-                    <a:t> 1</a:t>
-                  </a:r>
-                </a:p>
-              </p:txBody>
-            </p:sp>
-          </p:grpSp>
-          <p:sp>
-            <p:nvSpPr>
-              <p:cNvPr id="12" name="타원 11">
-                <a:extLst>
-                  <a:ext uri="{FF2B5EF4-FFF2-40B4-BE49-F238E27FC236}">
-                    <a16:creationId xmlns:a16="http://schemas.microsoft.com/office/drawing/2014/main" id="{AAD9551F-200B-E59A-43C0-0628D42C6599}"/>
-                  </a:ext>
-                </a:extLst>
-              </p:cNvPr>
-              <p:cNvSpPr/>
+              <p:cNvSpPr txBox="1"/>
               <p:nvPr/>
             </p:nvSpPr>
             <p:spPr>
               <a:xfrm>
-                <a:off x="2670175" y="2458506"/>
-                <a:ext cx="762001" cy="515057"/>
+                <a:off x="2856441" y="2581274"/>
+                <a:ext cx="2094089" cy="307777"/>
               </a:xfrm>
-              <a:prstGeom prst="ellipse">
+              <a:prstGeom prst="rect">
                 <a:avLst/>
               </a:prstGeom>
               <a:noFill/>
-              <a:ln>
-                <a:solidFill>
-                  <a:srgbClr val="00B0F0"/>
-                </a:solidFill>
-              </a:ln>
             </p:spPr>
-            <p:style>
-              <a:lnRef idx="2">
-                <a:schemeClr val="accent1">
-                  <a:shade val="50000"/>
-                </a:schemeClr>
-              </a:lnRef>
-              <a:fillRef idx="1">
-                <a:schemeClr val="accent1"/>
-              </a:fillRef>
-              <a:effectRef idx="0">
-                <a:schemeClr val="accent1"/>
-              </a:effectRef>
-              <a:fontRef idx="minor">
-                <a:schemeClr val="lt1"/>
-              </a:fontRef>
-            </p:style>
             <p:txBody>
-              <a:bodyPr lIns="91440" tIns="45720" rIns="91440" bIns="45720" rtlCol="0" anchor="ctr"/>
+              <a:bodyPr rot="0" spcFirstLastPara="0" vertOverflow="overflow" horzOverflow="overflow" vert="horz" wrap="square" lIns="91440" tIns="45720" rIns="91440" bIns="45720" numCol="1" spcCol="0" rtlCol="0" fromWordArt="0" anchor="t" anchorCtr="0" forceAA="0" compatLnSpc="1">
+                <a:prstTxWarp prst="textNoShape">
+                  <a:avLst/>
+                </a:prstTxWarp>
+                <a:spAutoFit/>
+              </a:bodyPr>
               <a:lstStyle/>
               <a:p>
                 <a:pPr algn="ctr"/>
                 <a:r>
-                  <a:rPr lang="ko-KR" altLang="en-US" sz="800" dirty="0" err="1">
+                  <a:rPr lang="ko-KR" altLang="en-US" sz="1400" b="1" dirty="0" err="1">
                     <a:ea typeface="맑은 고딕"/>
                   </a:rPr>
-                  <a:t>Sensor</a:t>
+                  <a:t>Cona-Brain</a:t>
                 </a:r>
                 <a:r>
-                  <a:rPr lang="ko-KR" altLang="en-US" sz="800" dirty="0">
+                  <a:rPr lang="ko-KR" altLang="en-US" sz="1400" b="1" dirty="0">
                     <a:ea typeface="맑은 고딕"/>
                   </a:rPr>
-                  <a:t> </a:t>
+                  <a:t> 1</a:t>
                 </a:r>
-                <a:endParaRPr lang="ko-KR" dirty="0"/>
-              </a:p>
-              <a:p>
-                <a:pPr algn="ctr"/>
-                <a:r>
-                  <a:rPr lang="ko-KR" altLang="en-US" sz="800" dirty="0">
-                    <a:ea typeface="맑은 고딕"/>
-                  </a:rPr>
-                  <a:t>Node2</a:t>
-                </a:r>
-                <a:endParaRPr lang="ko-KR" dirty="0"/>
               </a:p>
             </p:txBody>
           </p:sp>
         </p:grpSp>
         <p:sp>
           <p:nvSpPr>
-            <p:cNvPr id="22" name="TextBox 21">
+            <p:cNvPr id="12" name="타원 11">
               <a:extLst>
                 <a:ext uri="{FF2B5EF4-FFF2-40B4-BE49-F238E27FC236}">
-                  <a16:creationId xmlns:a16="http://schemas.microsoft.com/office/drawing/2014/main" id="{343EB3F4-9DA4-81FF-F7B6-BB97C0BDB8A6}"/>
+                  <a16:creationId xmlns:a16="http://schemas.microsoft.com/office/drawing/2014/main" id="{AAD9551F-200B-E59A-43C0-0628D42C6599}"/>
                 </a:ext>
               </a:extLst>
             </p:cNvPr>
-            <p:cNvSpPr txBox="1"/>
+            <p:cNvSpPr/>
             <p:nvPr/>
           </p:nvSpPr>
           <p:spPr>
             <a:xfrm>
-              <a:off x="833260" y="4974872"/>
-              <a:ext cx="3773310" cy="600164"/>
+              <a:off x="2670175" y="2458506"/>
+              <a:ext cx="762001" cy="515057"/>
             </a:xfrm>
-            <a:prstGeom prst="rect">
+            <a:prstGeom prst="ellipse">
               <a:avLst/>
             </a:prstGeom>
             <a:noFill/>
+            <a:ln>
+              <a:solidFill>
+                <a:srgbClr val="00B0F0"/>
+              </a:solidFill>
+            </a:ln>
           </p:spPr>
+          <p:style>
+            <a:lnRef idx="2">
+              <a:schemeClr val="accent1">
+                <a:shade val="50000"/>
+              </a:schemeClr>
+            </a:lnRef>
+            <a:fillRef idx="1">
+              <a:schemeClr val="accent1"/>
+            </a:fillRef>
+            <a:effectRef idx="0">
+              <a:schemeClr val="accent1"/>
+            </a:effectRef>
+            <a:fontRef idx="minor">
+              <a:schemeClr val="lt1"/>
+            </a:fontRef>
+          </p:style>
           <p:txBody>
-            <a:bodyPr rot="0" spcFirstLastPara="0" vertOverflow="overflow" horzOverflow="overflow" vert="horz" wrap="square" lIns="91440" tIns="45720" rIns="91440" bIns="45720" numCol="1" spcCol="0" rtlCol="0" fromWordArt="0" anchor="t" anchorCtr="0" forceAA="0" compatLnSpc="1">
-              <a:prstTxWarp prst="textNoShape">
-                <a:avLst/>
-              </a:prstTxWarp>
-              <a:spAutoFit/>
-            </a:bodyPr>
+            <a:bodyPr lIns="91440" tIns="45720" rIns="91440" bIns="45720" rtlCol="0" anchor="ctr"/>
             <a:lstStyle/>
             <a:p>
               <a:pPr algn="ctr"/>
               <a:r>
-                <a:rPr lang="ko-KR" altLang="en-US" sz="1100" dirty="0" err="1">
+                <a:rPr lang="ko-KR" altLang="en-US" sz="800" dirty="0" err="1">
                   <a:ea typeface="맑은 고딕"/>
                 </a:rPr>
-                <a:t>mqtt_subscriber로</a:t>
+                <a:t>Sensor</a:t>
               </a:r>
               <a:r>
-                <a:rPr lang="ko-KR" altLang="en-US" sz="1100" dirty="0">
+                <a:rPr lang="ko-KR" altLang="en-US" sz="800" dirty="0">
                   <a:ea typeface="맑은 고딕"/>
                 </a:rPr>
-                <a:t> 실행</a:t>
+                <a:t> </a:t>
               </a:r>
-            </a:p>
-            <a:p>
-              <a:pPr algn="ctr"/>
-              <a:endParaRPr lang="ko-KR" altLang="en-US" sz="1100" dirty="0">
-                <a:ea typeface="맑은 고딕"/>
-              </a:endParaRPr>
+              <a:endParaRPr lang="ko-KR" dirty="0"/>
             </a:p>
             <a:p>
               <a:pPr algn="ctr"/>
               <a:r>
-                <a:rPr lang="ko-KR" altLang="en-US" sz="1100" dirty="0">
+                <a:rPr lang="ko-KR" altLang="en-US" sz="800" dirty="0">
                   <a:ea typeface="맑은 고딕"/>
                 </a:rPr>
-                <a:t>해당되는 센서 값 요청이 들어올 시 센서 값 반환</a:t>
+                <a:t>Node2</a:t>
               </a:r>
+              <a:endParaRPr lang="ko-KR" dirty="0"/>
             </a:p>
           </p:txBody>
         </p:sp>
+      </p:grpSp>
+      <p:sp>
+        <p:nvSpPr>
+          <p:cNvPr id="22" name="TextBox 21">
+            <a:extLst>
+              <a:ext uri="{FF2B5EF4-FFF2-40B4-BE49-F238E27FC236}">
+                <a16:creationId xmlns:a16="http://schemas.microsoft.com/office/drawing/2014/main" id="{343EB3F4-9DA4-81FF-F7B6-BB97C0BDB8A6}"/>
+              </a:ext>
+            </a:extLst>
+          </p:cNvPr>
+          <p:cNvSpPr txBox="1"/>
+          <p:nvPr/>
+        </p:nvSpPr>
+        <p:spPr>
+          <a:xfrm>
+            <a:off x="854427" y="5595761"/>
+            <a:ext cx="3773310" cy="600164"/>
+          </a:xfrm>
+          <a:prstGeom prst="rect">
+            <a:avLst/>
+          </a:prstGeom>
+          <a:noFill/>
+        </p:spPr>
+        <p:txBody>
+          <a:bodyPr rot="0" spcFirstLastPara="0" vertOverflow="overflow" horzOverflow="overflow" vert="horz" wrap="square" lIns="91440" tIns="45720" rIns="91440" bIns="45720" numCol="1" spcCol="0" rtlCol="0" fromWordArt="0" anchor="t" anchorCtr="0" forceAA="0" compatLnSpc="1">
+            <a:prstTxWarp prst="textNoShape">
+              <a:avLst/>
+            </a:prstTxWarp>
+            <a:spAutoFit/>
+          </a:bodyPr>
+          <a:lstStyle/>
+          <a:p>
+            <a:pPr algn="ctr"/>
+            <a:r>
+              <a:rPr lang="ko-KR" altLang="en-US" sz="1100" dirty="0" err="1">
+                <a:ea typeface="맑은 고딕"/>
+              </a:rPr>
+              <a:t>mqtt_subscriber로</a:t>
+            </a:r>
+            <a:r>
+              <a:rPr lang="ko-KR" altLang="en-US" sz="1100" dirty="0">
+                <a:ea typeface="맑은 고딕"/>
+              </a:rPr>
+              <a:t> 실행</a:t>
+            </a:r>
+          </a:p>
+          <a:p>
+            <a:pPr algn="ctr"/>
+            <a:endParaRPr lang="ko-KR" altLang="en-US" sz="1100" dirty="0">
+              <a:ea typeface="맑은 고딕"/>
+            </a:endParaRPr>
+          </a:p>
+          <a:p>
+            <a:pPr algn="ctr"/>
+            <a:r>
+              <a:rPr lang="ko-KR" altLang="en-US" sz="1100" dirty="0">
+                <a:ea typeface="맑은 고딕"/>
+              </a:rPr>
+              <a:t>해당되는 센서 값 요청이 들어올 시 센서 값 반환</a:t>
+            </a:r>
+          </a:p>
+        </p:txBody>
+      </p:sp>
+      <p:grpSp>
+        <p:nvGrpSpPr>
+          <p:cNvPr id="5" name="그룹 4">
+            <a:extLst>
+              <a:ext uri="{FF2B5EF4-FFF2-40B4-BE49-F238E27FC236}">
+                <a16:creationId xmlns:a16="http://schemas.microsoft.com/office/drawing/2014/main" id="{464D2FC1-79C7-6C9F-56D2-134C226087CA}"/>
+              </a:ext>
+            </a:extLst>
+          </p:cNvPr>
+          <p:cNvGrpSpPr/>
+          <p:nvPr/>
+        </p:nvGrpSpPr>
+        <p:grpSpPr>
+          <a:xfrm>
+            <a:off x="4798768" y="4641268"/>
+            <a:ext cx="2743199" cy="1298189"/>
+            <a:chOff x="4780333" y="4223397"/>
+            <a:chExt cx="2743199" cy="1298189"/>
+          </a:xfrm>
+        </p:grpSpPr>
         <p:sp>
           <p:nvSpPr>
             <p:cNvPr id="31" name="사각형: 둥근 모서리 30">
@@ -8294,8 +8328,8 @@
           </p:nvSpPr>
           <p:spPr>
             <a:xfrm>
-              <a:off x="960967" y="537634"/>
-              <a:ext cx="3647721" cy="4381499"/>
+              <a:off x="4804424" y="4458474"/>
+              <a:ext cx="2695222" cy="1063112"/>
             </a:xfrm>
             <a:prstGeom prst="roundRect">
               <a:avLst/>
@@ -8346,7 +8380,7 @@
           </p:nvSpPr>
           <p:spPr>
             <a:xfrm>
-              <a:off x="1410053" y="351718"/>
+              <a:off x="4780333" y="4223397"/>
               <a:ext cx="2743199" cy="369332"/>
             </a:xfrm>
             <a:prstGeom prst="rect">
@@ -8385,12 +8419,107 @@
             </a:p>
           </p:txBody>
         </p:sp>
+      </p:grpSp>
+      <p:grpSp>
+        <p:nvGrpSpPr>
+          <p:cNvPr id="33" name="그룹 32">
+            <a:extLst>
+              <a:ext uri="{FF2B5EF4-FFF2-40B4-BE49-F238E27FC236}">
+                <a16:creationId xmlns:a16="http://schemas.microsoft.com/office/drawing/2014/main" id="{6F0B6C13-39C8-477D-A88D-7564DC377CC4}"/>
+              </a:ext>
+            </a:extLst>
+          </p:cNvPr>
+          <p:cNvGrpSpPr/>
+          <p:nvPr/>
+        </p:nvGrpSpPr>
+        <p:grpSpPr>
+          <a:xfrm>
+            <a:off x="1727553" y="2778830"/>
+            <a:ext cx="2094089" cy="1166638"/>
+            <a:chOff x="1579386" y="2002719"/>
+            <a:chExt cx="2094089" cy="1166638"/>
+          </a:xfrm>
+        </p:grpSpPr>
+        <p:sp>
+          <p:nvSpPr>
+            <p:cNvPr id="34" name="타원 33">
+              <a:extLst>
+                <a:ext uri="{FF2B5EF4-FFF2-40B4-BE49-F238E27FC236}">
+                  <a16:creationId xmlns:a16="http://schemas.microsoft.com/office/drawing/2014/main" id="{8FDED3E0-7BE8-2A6C-1A5D-25DED6D07BD0}"/>
+                </a:ext>
+              </a:extLst>
+            </p:cNvPr>
+            <p:cNvSpPr/>
+            <p:nvPr/>
+          </p:nvSpPr>
+          <p:spPr>
+            <a:xfrm>
+              <a:off x="1745898" y="2458506"/>
+              <a:ext cx="762001" cy="515057"/>
+            </a:xfrm>
+            <a:prstGeom prst="ellipse">
+              <a:avLst/>
+            </a:prstGeom>
+            <a:noFill/>
+            <a:ln>
+              <a:solidFill>
+                <a:srgbClr val="00B0F0"/>
+              </a:solidFill>
+            </a:ln>
+          </p:spPr>
+          <p:style>
+            <a:lnRef idx="2">
+              <a:schemeClr val="accent1">
+                <a:shade val="50000"/>
+              </a:schemeClr>
+            </a:lnRef>
+            <a:fillRef idx="1">
+              <a:schemeClr val="accent1"/>
+            </a:fillRef>
+            <a:effectRef idx="0">
+              <a:schemeClr val="accent1"/>
+            </a:effectRef>
+            <a:fontRef idx="minor">
+              <a:schemeClr val="lt1"/>
+            </a:fontRef>
+          </p:style>
+          <p:txBody>
+            <a:bodyPr rtlCol="0" anchor="ctr"/>
+            <a:lstStyle/>
+            <a:p>
+              <a:pPr algn="ctr"/>
+              <a:r>
+                <a:rPr lang="ko-KR" altLang="en-US" sz="800" dirty="0" err="1">
+                  <a:ea typeface="맑은 고딕"/>
+                </a:rPr>
+                <a:t>Sensor</a:t>
+              </a:r>
+              <a:r>
+                <a:rPr lang="ko-KR" altLang="en-US" sz="800" dirty="0">
+                  <a:ea typeface="맑은 고딕"/>
+                </a:rPr>
+                <a:t> </a:t>
+              </a:r>
+              <a:endParaRPr lang="ko-KR" dirty="0"/>
+            </a:p>
+            <a:p>
+              <a:pPr algn="ctr"/>
+              <a:r>
+                <a:rPr lang="ko-KR" altLang="en-US" sz="800" dirty="0">
+                  <a:ea typeface="맑은 고딕"/>
+                </a:rPr>
+                <a:t>Node1</a:t>
+              </a:r>
+              <a:endParaRPr lang="ko-KR" dirty="0"/>
+            </a:p>
+          </p:txBody>
+        </p:sp>
         <p:grpSp>
           <p:nvGrpSpPr>
-            <p:cNvPr id="33" name="그룹 32">
+            <p:cNvPr id="35" name="그룹 34">
               <a:extLst>
                 <a:ext uri="{FF2B5EF4-FFF2-40B4-BE49-F238E27FC236}">
-                  <a16:creationId xmlns:a16="http://schemas.microsoft.com/office/drawing/2014/main" id="{6F0B6C13-39C8-477D-A88D-7564DC377CC4}"/>
+                  <a16:creationId xmlns:a16="http://schemas.microsoft.com/office/drawing/2014/main" id="{1DF81062-CA89-ABDB-984E-F28929CCB5F5}"/>
                 </a:ext>
               </a:extLst>
             </p:cNvPr>
@@ -8399,18 +8528,18 @@
           </p:nvGrpSpPr>
           <p:grpSpPr>
             <a:xfrm>
-              <a:off x="1706386" y="2157941"/>
+              <a:off x="1579386" y="2002719"/>
               <a:ext cx="2094089" cy="1166638"/>
-              <a:chOff x="1579386" y="2002719"/>
+              <a:chOff x="2856441" y="2581274"/>
               <a:chExt cx="2094089" cy="1166638"/>
             </a:xfrm>
           </p:grpSpPr>
           <p:sp>
             <p:nvSpPr>
-              <p:cNvPr id="34" name="타원 33">
+              <p:cNvPr id="37" name="사각형: 둥근 모서리 36">
                 <a:extLst>
                   <a:ext uri="{FF2B5EF4-FFF2-40B4-BE49-F238E27FC236}">
-                    <a16:creationId xmlns:a16="http://schemas.microsoft.com/office/drawing/2014/main" id="{8FDED3E0-7BE8-2A6C-1A5D-25DED6D07BD0}"/>
+                    <a16:creationId xmlns:a16="http://schemas.microsoft.com/office/drawing/2014/main" id="{BFCC7B75-83DD-20DB-F454-E143DB35C9CE}"/>
                   </a:ext>
                 </a:extLst>
               </p:cNvPr>
@@ -8419,16 +8548,16 @@
             </p:nvSpPr>
             <p:spPr>
               <a:xfrm>
-                <a:off x="1745898" y="2458506"/>
-                <a:ext cx="762001" cy="515057"/>
+                <a:off x="2950633" y="2767189"/>
+                <a:ext cx="1897944" cy="980723"/>
               </a:xfrm>
-              <a:prstGeom prst="ellipse">
+              <a:prstGeom prst="roundRect">
                 <a:avLst/>
               </a:prstGeom>
               <a:noFill/>
               <a:ln>
                 <a:solidFill>
-                  <a:srgbClr val="00B0F0"/>
+                  <a:srgbClr val="FFFF00"/>
                 </a:solidFill>
               </a:ln>
             </p:spPr>
@@ -8453,158 +8582,253 @@
               <a:lstStyle/>
               <a:p>
                 <a:pPr algn="ctr"/>
-                <a:r>
-                  <a:rPr lang="ko-KR" altLang="en-US" sz="800" dirty="0" err="1">
-                    <a:ea typeface="맑은 고딕"/>
-                  </a:rPr>
-                  <a:t>Sensor</a:t>
-                </a:r>
-                <a:r>
-                  <a:rPr lang="ko-KR" altLang="en-US" sz="800" dirty="0">
-                    <a:ea typeface="맑은 고딕"/>
-                  </a:rPr>
-                  <a:t> </a:t>
-                </a:r>
-                <a:endParaRPr lang="ko-KR" dirty="0"/>
+                <a:endParaRPr lang="ko-KR" altLang="en-US"/>
               </a:p>
+            </p:txBody>
+          </p:sp>
+          <p:sp>
+            <p:nvSpPr>
+              <p:cNvPr id="38" name="TextBox 37">
+                <a:extLst>
+                  <a:ext uri="{FF2B5EF4-FFF2-40B4-BE49-F238E27FC236}">
+                    <a16:creationId xmlns:a16="http://schemas.microsoft.com/office/drawing/2014/main" id="{F3758D00-93A9-C8C7-DD19-8BA1AF3A627F}"/>
+                  </a:ext>
+                </a:extLst>
+              </p:cNvPr>
+              <p:cNvSpPr txBox="1"/>
+              <p:nvPr/>
+            </p:nvSpPr>
+            <p:spPr>
+              <a:xfrm>
+                <a:off x="2856441" y="2581274"/>
+                <a:ext cx="2094089" cy="307777"/>
+              </a:xfrm>
+              <a:prstGeom prst="rect">
+                <a:avLst/>
+              </a:prstGeom>
+              <a:noFill/>
+            </p:spPr>
+            <p:txBody>
+              <a:bodyPr rot="0" spcFirstLastPara="0" vertOverflow="overflow" horzOverflow="overflow" vert="horz" wrap="square" lIns="91440" tIns="45720" rIns="91440" bIns="45720" numCol="1" spcCol="0" rtlCol="0" fromWordArt="0" anchor="t" anchorCtr="0" forceAA="0" compatLnSpc="1">
+                <a:prstTxWarp prst="textNoShape">
+                  <a:avLst/>
+                </a:prstTxWarp>
+                <a:spAutoFit/>
+              </a:bodyPr>
+              <a:lstStyle/>
               <a:p>
                 <a:pPr algn="ctr"/>
                 <a:r>
-                  <a:rPr lang="ko-KR" altLang="en-US" sz="800" dirty="0">
+                  <a:rPr lang="ko-KR" altLang="en-US" sz="1400" b="1" dirty="0" err="1">
                     <a:ea typeface="맑은 고딕"/>
                   </a:rPr>
-                  <a:t>Node1</a:t>
+                  <a:t>Cona-Brain</a:t>
                 </a:r>
-                <a:endParaRPr lang="ko-KR" dirty="0"/>
+                <a:r>
+                  <a:rPr lang="ko-KR" altLang="en-US" sz="1400" b="1" dirty="0">
+                    <a:ea typeface="맑은 고딕"/>
+                  </a:rPr>
+                  <a:t> 2</a:t>
+                </a:r>
               </a:p>
             </p:txBody>
           </p:sp>
-          <p:grpSp>
-            <p:nvGrpSpPr>
-              <p:cNvPr id="35" name="그룹 34">
+        </p:grpSp>
+        <p:sp>
+          <p:nvSpPr>
+            <p:cNvPr id="36" name="타원 35">
+              <a:extLst>
+                <a:ext uri="{FF2B5EF4-FFF2-40B4-BE49-F238E27FC236}">
+                  <a16:creationId xmlns:a16="http://schemas.microsoft.com/office/drawing/2014/main" id="{2E56C5A2-844C-8BED-DDEA-3975B4FB99E8}"/>
+                </a:ext>
+              </a:extLst>
+            </p:cNvPr>
+            <p:cNvSpPr/>
+            <p:nvPr/>
+          </p:nvSpPr>
+          <p:spPr>
+            <a:xfrm>
+              <a:off x="2670175" y="2458506"/>
+              <a:ext cx="762001" cy="515057"/>
+            </a:xfrm>
+            <a:prstGeom prst="ellipse">
+              <a:avLst/>
+            </a:prstGeom>
+            <a:noFill/>
+            <a:ln>
+              <a:solidFill>
+                <a:srgbClr val="00B0F0"/>
+              </a:solidFill>
+            </a:ln>
+          </p:spPr>
+          <p:style>
+            <a:lnRef idx="2">
+              <a:schemeClr val="accent1">
+                <a:shade val="50000"/>
+              </a:schemeClr>
+            </a:lnRef>
+            <a:fillRef idx="1">
+              <a:schemeClr val="accent1"/>
+            </a:fillRef>
+            <a:effectRef idx="0">
+              <a:schemeClr val="accent1"/>
+            </a:effectRef>
+            <a:fontRef idx="minor">
+              <a:schemeClr val="lt1"/>
+            </a:fontRef>
+          </p:style>
+          <p:txBody>
+            <a:bodyPr lIns="91440" tIns="45720" rIns="91440" bIns="45720" rtlCol="0" anchor="ctr"/>
+            <a:lstStyle/>
+            <a:p>
+              <a:pPr algn="ctr"/>
+              <a:r>
+                <a:rPr lang="ko-KR" altLang="en-US" sz="800" dirty="0" err="1">
+                  <a:ea typeface="맑은 고딕"/>
+                </a:rPr>
+                <a:t>Sensor</a:t>
+              </a:r>
+              <a:r>
+                <a:rPr lang="ko-KR" altLang="en-US" sz="800" dirty="0">
+                  <a:ea typeface="맑은 고딕"/>
+                </a:rPr>
+                <a:t> </a:t>
+              </a:r>
+              <a:endParaRPr lang="ko-KR" dirty="0"/>
+            </a:p>
+            <a:p>
+              <a:pPr algn="ctr"/>
+              <a:r>
+                <a:rPr lang="ko-KR" altLang="en-US" sz="800" dirty="0">
+                  <a:ea typeface="맑은 고딕"/>
+                </a:rPr>
+                <a:t>Node2</a:t>
+              </a:r>
+              <a:endParaRPr lang="ko-KR" dirty="0"/>
+            </a:p>
+          </p:txBody>
+        </p:sp>
+      </p:grpSp>
+      <p:grpSp>
+        <p:nvGrpSpPr>
+          <p:cNvPr id="39" name="그룹 38">
+            <a:extLst>
+              <a:ext uri="{FF2B5EF4-FFF2-40B4-BE49-F238E27FC236}">
+                <a16:creationId xmlns:a16="http://schemas.microsoft.com/office/drawing/2014/main" id="{CFAB49A2-6508-F250-9082-0FBB0A29E1E6}"/>
+              </a:ext>
+            </a:extLst>
+          </p:cNvPr>
+          <p:cNvGrpSpPr/>
+          <p:nvPr/>
+        </p:nvGrpSpPr>
+        <p:grpSpPr>
+          <a:xfrm>
+            <a:off x="1727553" y="4119386"/>
+            <a:ext cx="2094089" cy="1166638"/>
+            <a:chOff x="1579386" y="2002719"/>
+            <a:chExt cx="2094089" cy="1166638"/>
+          </a:xfrm>
+        </p:grpSpPr>
+        <p:sp>
+          <p:nvSpPr>
+            <p:cNvPr id="40" name="타원 39">
+              <a:extLst>
+                <a:ext uri="{FF2B5EF4-FFF2-40B4-BE49-F238E27FC236}">
+                  <a16:creationId xmlns:a16="http://schemas.microsoft.com/office/drawing/2014/main" id="{B0AB8672-E764-B850-3655-34D4B2EB580D}"/>
+                </a:ext>
+              </a:extLst>
+            </p:cNvPr>
+            <p:cNvSpPr/>
+            <p:nvPr/>
+          </p:nvSpPr>
+          <p:spPr>
+            <a:xfrm>
+              <a:off x="1745898" y="2458506"/>
+              <a:ext cx="762001" cy="515057"/>
+            </a:xfrm>
+            <a:prstGeom prst="ellipse">
+              <a:avLst/>
+            </a:prstGeom>
+            <a:noFill/>
+            <a:ln>
+              <a:solidFill>
+                <a:srgbClr val="00B0F0"/>
+              </a:solidFill>
+            </a:ln>
+          </p:spPr>
+          <p:style>
+            <a:lnRef idx="2">
+              <a:schemeClr val="accent1">
+                <a:shade val="50000"/>
+              </a:schemeClr>
+            </a:lnRef>
+            <a:fillRef idx="1">
+              <a:schemeClr val="accent1"/>
+            </a:fillRef>
+            <a:effectRef idx="0">
+              <a:schemeClr val="accent1"/>
+            </a:effectRef>
+            <a:fontRef idx="minor">
+              <a:schemeClr val="lt1"/>
+            </a:fontRef>
+          </p:style>
+          <p:txBody>
+            <a:bodyPr rtlCol="0" anchor="ctr"/>
+            <a:lstStyle/>
+            <a:p>
+              <a:pPr algn="ctr"/>
+              <a:r>
+                <a:rPr lang="ko-KR" altLang="en-US" sz="800" dirty="0" err="1">
+                  <a:ea typeface="맑은 고딕"/>
+                </a:rPr>
+                <a:t>Sensor</a:t>
+              </a:r>
+              <a:r>
+                <a:rPr lang="ko-KR" altLang="en-US" sz="800" dirty="0">
+                  <a:ea typeface="맑은 고딕"/>
+                </a:rPr>
+                <a:t> </a:t>
+              </a:r>
+              <a:endParaRPr lang="ko-KR" dirty="0"/>
+            </a:p>
+            <a:p>
+              <a:pPr algn="ctr"/>
+              <a:r>
+                <a:rPr lang="ko-KR" altLang="en-US" sz="800" dirty="0">
+                  <a:ea typeface="맑은 고딕"/>
+                </a:rPr>
+                <a:t>Node1</a:t>
+              </a:r>
+              <a:endParaRPr lang="ko-KR" dirty="0"/>
+            </a:p>
+          </p:txBody>
+        </p:sp>
+        <p:grpSp>
+          <p:nvGrpSpPr>
+            <p:cNvPr id="41" name="그룹 40">
+              <a:extLst>
+                <a:ext uri="{FF2B5EF4-FFF2-40B4-BE49-F238E27FC236}">
+                  <a16:creationId xmlns:a16="http://schemas.microsoft.com/office/drawing/2014/main" id="{91855765-63D2-D5CF-5F6C-0DEB8D2E57DA}"/>
+                </a:ext>
+              </a:extLst>
+            </p:cNvPr>
+            <p:cNvGrpSpPr/>
+            <p:nvPr/>
+          </p:nvGrpSpPr>
+          <p:grpSpPr>
+            <a:xfrm>
+              <a:off x="1579386" y="2002719"/>
+              <a:ext cx="2094089" cy="1166638"/>
+              <a:chOff x="2856441" y="2581274"/>
+              <a:chExt cx="2094089" cy="1166638"/>
+            </a:xfrm>
+          </p:grpSpPr>
+          <p:sp>
+            <p:nvSpPr>
+              <p:cNvPr id="43" name="사각형: 둥근 모서리 42">
                 <a:extLst>
                   <a:ext uri="{FF2B5EF4-FFF2-40B4-BE49-F238E27FC236}">
-                    <a16:creationId xmlns:a16="http://schemas.microsoft.com/office/drawing/2014/main" id="{1DF81062-CA89-ABDB-984E-F28929CCB5F5}"/>
-                  </a:ext>
-                </a:extLst>
-              </p:cNvPr>
-              <p:cNvGrpSpPr/>
-              <p:nvPr/>
-            </p:nvGrpSpPr>
-            <p:grpSpPr>
-              <a:xfrm>
-                <a:off x="1579386" y="2002719"/>
-                <a:ext cx="2094089" cy="1166638"/>
-                <a:chOff x="2856441" y="2581274"/>
-                <a:chExt cx="2094089" cy="1166638"/>
-              </a:xfrm>
-            </p:grpSpPr>
-            <p:sp>
-              <p:nvSpPr>
-                <p:cNvPr id="37" name="사각형: 둥근 모서리 36">
-                  <a:extLst>
-                    <a:ext uri="{FF2B5EF4-FFF2-40B4-BE49-F238E27FC236}">
-                      <a16:creationId xmlns:a16="http://schemas.microsoft.com/office/drawing/2014/main" id="{BFCC7B75-83DD-20DB-F454-E143DB35C9CE}"/>
-                    </a:ext>
-                  </a:extLst>
-                </p:cNvPr>
-                <p:cNvSpPr/>
-                <p:nvPr/>
-              </p:nvSpPr>
-              <p:spPr>
-                <a:xfrm>
-                  <a:off x="2950633" y="2767189"/>
-                  <a:ext cx="1897944" cy="980723"/>
-                </a:xfrm>
-                <a:prstGeom prst="roundRect">
-                  <a:avLst/>
-                </a:prstGeom>
-                <a:noFill/>
-                <a:ln>
-                  <a:solidFill>
-                    <a:srgbClr val="FFFF00"/>
-                  </a:solidFill>
-                </a:ln>
-              </p:spPr>
-              <p:style>
-                <a:lnRef idx="2">
-                  <a:schemeClr val="accent1">
-                    <a:shade val="50000"/>
-                  </a:schemeClr>
-                </a:lnRef>
-                <a:fillRef idx="1">
-                  <a:schemeClr val="accent1"/>
-                </a:fillRef>
-                <a:effectRef idx="0">
-                  <a:schemeClr val="accent1"/>
-                </a:effectRef>
-                <a:fontRef idx="minor">
-                  <a:schemeClr val="lt1"/>
-                </a:fontRef>
-              </p:style>
-              <p:txBody>
-                <a:bodyPr rtlCol="0" anchor="ctr"/>
-                <a:lstStyle/>
-                <a:p>
-                  <a:pPr algn="ctr"/>
-                  <a:endParaRPr lang="ko-KR" altLang="en-US"/>
-                </a:p>
-              </p:txBody>
-            </p:sp>
-            <p:sp>
-              <p:nvSpPr>
-                <p:cNvPr id="38" name="TextBox 37">
-                  <a:extLst>
-                    <a:ext uri="{FF2B5EF4-FFF2-40B4-BE49-F238E27FC236}">
-                      <a16:creationId xmlns:a16="http://schemas.microsoft.com/office/drawing/2014/main" id="{F3758D00-93A9-C8C7-DD19-8BA1AF3A627F}"/>
-                    </a:ext>
-                  </a:extLst>
-                </p:cNvPr>
-                <p:cNvSpPr txBox="1"/>
-                <p:nvPr/>
-              </p:nvSpPr>
-              <p:spPr>
-                <a:xfrm>
-                  <a:off x="2856441" y="2581274"/>
-                  <a:ext cx="2094089" cy="307777"/>
-                </a:xfrm>
-                <a:prstGeom prst="rect">
-                  <a:avLst/>
-                </a:prstGeom>
-                <a:noFill/>
-              </p:spPr>
-              <p:txBody>
-                <a:bodyPr rot="0" spcFirstLastPara="0" vertOverflow="overflow" horzOverflow="overflow" vert="horz" wrap="square" lIns="91440" tIns="45720" rIns="91440" bIns="45720" numCol="1" spcCol="0" rtlCol="0" fromWordArt="0" anchor="t" anchorCtr="0" forceAA="0" compatLnSpc="1">
-                  <a:prstTxWarp prst="textNoShape">
-                    <a:avLst/>
-                  </a:prstTxWarp>
-                  <a:spAutoFit/>
-                </a:bodyPr>
-                <a:lstStyle/>
-                <a:p>
-                  <a:pPr algn="ctr"/>
-                  <a:r>
-                    <a:rPr lang="ko-KR" altLang="en-US" sz="1400" b="1" dirty="0" err="1">
-                      <a:ea typeface="맑은 고딕"/>
-                    </a:rPr>
-                    <a:t>Cona-Brain</a:t>
-                  </a:r>
-                  <a:r>
-                    <a:rPr lang="ko-KR" altLang="en-US" sz="1400" b="1" dirty="0">
-                      <a:ea typeface="맑은 고딕"/>
-                    </a:rPr>
-                    <a:t> 2</a:t>
-                  </a:r>
-                </a:p>
-              </p:txBody>
-            </p:sp>
-          </p:grpSp>
-          <p:sp>
-            <p:nvSpPr>
-              <p:cNvPr id="36" name="타원 35">
-                <a:extLst>
-                  <a:ext uri="{FF2B5EF4-FFF2-40B4-BE49-F238E27FC236}">
-                    <a16:creationId xmlns:a16="http://schemas.microsoft.com/office/drawing/2014/main" id="{2E56C5A2-844C-8BED-DDEA-3975B4FB99E8}"/>
+                    <a16:creationId xmlns:a16="http://schemas.microsoft.com/office/drawing/2014/main" id="{41F34E9F-0FC9-E012-BF0B-3FDBCB91E501}"/>
                   </a:ext>
                 </a:extLst>
               </p:cNvPr>
@@ -8613,111 +8837,16 @@
             </p:nvSpPr>
             <p:spPr>
               <a:xfrm>
-                <a:off x="2670175" y="2458506"/>
-                <a:ext cx="762001" cy="515057"/>
+                <a:off x="2950633" y="2767189"/>
+                <a:ext cx="1897944" cy="980723"/>
               </a:xfrm>
-              <a:prstGeom prst="ellipse">
+              <a:prstGeom prst="roundRect">
                 <a:avLst/>
               </a:prstGeom>
               <a:noFill/>
               <a:ln>
                 <a:solidFill>
-                  <a:srgbClr val="00B0F0"/>
-                </a:solidFill>
-              </a:ln>
-            </p:spPr>
-            <p:style>
-              <a:lnRef idx="2">
-                <a:schemeClr val="accent1">
-                  <a:shade val="50000"/>
-                </a:schemeClr>
-              </a:lnRef>
-              <a:fillRef idx="1">
-                <a:schemeClr val="accent1"/>
-              </a:fillRef>
-              <a:effectRef idx="0">
-                <a:schemeClr val="accent1"/>
-              </a:effectRef>
-              <a:fontRef idx="minor">
-                <a:schemeClr val="lt1"/>
-              </a:fontRef>
-            </p:style>
-            <p:txBody>
-              <a:bodyPr lIns="91440" tIns="45720" rIns="91440" bIns="45720" rtlCol="0" anchor="ctr"/>
-              <a:lstStyle/>
-              <a:p>
-                <a:pPr algn="ctr"/>
-                <a:r>
-                  <a:rPr lang="ko-KR" altLang="en-US" sz="800" dirty="0" err="1">
-                    <a:ea typeface="맑은 고딕"/>
-                  </a:rPr>
-                  <a:t>Sensor</a:t>
-                </a:r>
-                <a:r>
-                  <a:rPr lang="ko-KR" altLang="en-US" sz="800" dirty="0">
-                    <a:ea typeface="맑은 고딕"/>
-                  </a:rPr>
-                  <a:t> </a:t>
-                </a:r>
-                <a:endParaRPr lang="ko-KR" dirty="0"/>
-              </a:p>
-              <a:p>
-                <a:pPr algn="ctr"/>
-                <a:r>
-                  <a:rPr lang="ko-KR" altLang="en-US" sz="800" dirty="0">
-                    <a:ea typeface="맑은 고딕"/>
-                  </a:rPr>
-                  <a:t>Node2</a:t>
-                </a:r>
-                <a:endParaRPr lang="ko-KR" dirty="0"/>
-              </a:p>
-            </p:txBody>
-          </p:sp>
-        </p:grpSp>
-        <p:grpSp>
-          <p:nvGrpSpPr>
-            <p:cNvPr id="39" name="그룹 38">
-              <a:extLst>
-                <a:ext uri="{FF2B5EF4-FFF2-40B4-BE49-F238E27FC236}">
-                  <a16:creationId xmlns:a16="http://schemas.microsoft.com/office/drawing/2014/main" id="{CFAB49A2-6508-F250-9082-0FBB0A29E1E6}"/>
-                </a:ext>
-              </a:extLst>
-            </p:cNvPr>
-            <p:cNvGrpSpPr/>
-            <p:nvPr/>
-          </p:nvGrpSpPr>
-          <p:grpSpPr>
-            <a:xfrm>
-              <a:off x="1706386" y="3498497"/>
-              <a:ext cx="2094089" cy="1166638"/>
-              <a:chOff x="1579386" y="2002719"/>
-              <a:chExt cx="2094089" cy="1166638"/>
-            </a:xfrm>
-          </p:grpSpPr>
-          <p:sp>
-            <p:nvSpPr>
-              <p:cNvPr id="40" name="타원 39">
-                <a:extLst>
-                  <a:ext uri="{FF2B5EF4-FFF2-40B4-BE49-F238E27FC236}">
-                    <a16:creationId xmlns:a16="http://schemas.microsoft.com/office/drawing/2014/main" id="{B0AB8672-E764-B850-3655-34D4B2EB580D}"/>
-                  </a:ext>
-                </a:extLst>
-              </p:cNvPr>
-              <p:cNvSpPr/>
-              <p:nvPr/>
-            </p:nvSpPr>
-            <p:spPr>
-              <a:xfrm>
-                <a:off x="1745898" y="2458506"/>
-                <a:ext cx="762001" cy="515057"/>
-              </a:xfrm>
-              <a:prstGeom prst="ellipse">
-                <a:avLst/>
-              </a:prstGeom>
-              <a:noFill/>
-              <a:ln>
-                <a:solidFill>
-                  <a:srgbClr val="00B0F0"/>
+                  <a:srgbClr val="FFFF00"/>
                 </a:solidFill>
               </a:ln>
             </p:spPr>
@@ -8742,227 +8871,132 @@
               <a:lstStyle/>
               <a:p>
                 <a:pPr algn="ctr"/>
-                <a:r>
-                  <a:rPr lang="ko-KR" altLang="en-US" sz="800" dirty="0" err="1">
-                    <a:ea typeface="맑은 고딕"/>
-                  </a:rPr>
-                  <a:t>Sensor</a:t>
-                </a:r>
-                <a:r>
-                  <a:rPr lang="ko-KR" altLang="en-US" sz="800" dirty="0">
-                    <a:ea typeface="맑은 고딕"/>
-                  </a:rPr>
-                  <a:t> </a:t>
-                </a:r>
-                <a:endParaRPr lang="ko-KR" dirty="0"/>
-              </a:p>
-              <a:p>
-                <a:pPr algn="ctr"/>
-                <a:r>
-                  <a:rPr lang="ko-KR" altLang="en-US" sz="800" dirty="0">
-                    <a:ea typeface="맑은 고딕"/>
-                  </a:rPr>
-                  <a:t>Node1</a:t>
-                </a:r>
-                <a:endParaRPr lang="ko-KR" dirty="0"/>
+                <a:endParaRPr lang="ko-KR" altLang="en-US"/>
               </a:p>
             </p:txBody>
           </p:sp>
-          <p:grpSp>
-            <p:nvGrpSpPr>
-              <p:cNvPr id="41" name="그룹 40">
+          <p:sp>
+            <p:nvSpPr>
+              <p:cNvPr id="44" name="TextBox 43">
                 <a:extLst>
                   <a:ext uri="{FF2B5EF4-FFF2-40B4-BE49-F238E27FC236}">
-                    <a16:creationId xmlns:a16="http://schemas.microsoft.com/office/drawing/2014/main" id="{91855765-63D2-D5CF-5F6C-0DEB8D2E57DA}"/>
+                    <a16:creationId xmlns:a16="http://schemas.microsoft.com/office/drawing/2014/main" id="{9BEA4850-29BD-9326-92B7-6373403D89F7}"/>
                   </a:ext>
                 </a:extLst>
               </p:cNvPr>
-              <p:cNvGrpSpPr/>
-              <p:nvPr/>
-            </p:nvGrpSpPr>
-            <p:grpSpPr>
-              <a:xfrm>
-                <a:off x="1579386" y="2002719"/>
-                <a:ext cx="2094089" cy="1166638"/>
-                <a:chOff x="2856441" y="2581274"/>
-                <a:chExt cx="2094089" cy="1166638"/>
-              </a:xfrm>
-            </p:grpSpPr>
-            <p:sp>
-              <p:nvSpPr>
-                <p:cNvPr id="43" name="사각형: 둥근 모서리 42">
-                  <a:extLst>
-                    <a:ext uri="{FF2B5EF4-FFF2-40B4-BE49-F238E27FC236}">
-                      <a16:creationId xmlns:a16="http://schemas.microsoft.com/office/drawing/2014/main" id="{41F34E9F-0FC9-E012-BF0B-3FDBCB91E501}"/>
-                    </a:ext>
-                  </a:extLst>
-                </p:cNvPr>
-                <p:cNvSpPr/>
-                <p:nvPr/>
-              </p:nvSpPr>
-              <p:spPr>
-                <a:xfrm>
-                  <a:off x="2950633" y="2767189"/>
-                  <a:ext cx="1897944" cy="980723"/>
-                </a:xfrm>
-                <a:prstGeom prst="roundRect">
-                  <a:avLst/>
-                </a:prstGeom>
-                <a:noFill/>
-                <a:ln>
-                  <a:solidFill>
-                    <a:srgbClr val="FFFF00"/>
-                  </a:solidFill>
-                </a:ln>
-              </p:spPr>
-              <p:style>
-                <a:lnRef idx="2">
-                  <a:schemeClr val="accent1">
-                    <a:shade val="50000"/>
-                  </a:schemeClr>
-                </a:lnRef>
-                <a:fillRef idx="1">
-                  <a:schemeClr val="accent1"/>
-                </a:fillRef>
-                <a:effectRef idx="0">
-                  <a:schemeClr val="accent1"/>
-                </a:effectRef>
-                <a:fontRef idx="minor">
-                  <a:schemeClr val="lt1"/>
-                </a:fontRef>
-              </p:style>
-              <p:txBody>
-                <a:bodyPr rtlCol="0" anchor="ctr"/>
-                <a:lstStyle/>
-                <a:p>
-                  <a:pPr algn="ctr"/>
-                  <a:endParaRPr lang="ko-KR" altLang="en-US"/>
-                </a:p>
-              </p:txBody>
-            </p:sp>
-            <p:sp>
-              <p:nvSpPr>
-                <p:cNvPr id="44" name="TextBox 43">
-                  <a:extLst>
-                    <a:ext uri="{FF2B5EF4-FFF2-40B4-BE49-F238E27FC236}">
-                      <a16:creationId xmlns:a16="http://schemas.microsoft.com/office/drawing/2014/main" id="{9BEA4850-29BD-9326-92B7-6373403D89F7}"/>
-                    </a:ext>
-                  </a:extLst>
-                </p:cNvPr>
-                <p:cNvSpPr txBox="1"/>
-                <p:nvPr/>
-              </p:nvSpPr>
-              <p:spPr>
-                <a:xfrm>
-                  <a:off x="2856441" y="2581274"/>
-                  <a:ext cx="2094089" cy="307777"/>
-                </a:xfrm>
-                <a:prstGeom prst="rect">
-                  <a:avLst/>
-                </a:prstGeom>
-                <a:noFill/>
-              </p:spPr>
-              <p:txBody>
-                <a:bodyPr rot="0" spcFirstLastPara="0" vertOverflow="overflow" horzOverflow="overflow" vert="horz" wrap="square" lIns="91440" tIns="45720" rIns="91440" bIns="45720" numCol="1" spcCol="0" rtlCol="0" fromWordArt="0" anchor="t" anchorCtr="0" forceAA="0" compatLnSpc="1">
-                  <a:prstTxWarp prst="textNoShape">
-                    <a:avLst/>
-                  </a:prstTxWarp>
-                  <a:spAutoFit/>
-                </a:bodyPr>
-                <a:lstStyle/>
-                <a:p>
-                  <a:pPr algn="ctr"/>
-                  <a:r>
-                    <a:rPr lang="ko-KR" altLang="en-US" sz="1400" b="1" dirty="0" err="1">
-                      <a:ea typeface="맑은 고딕"/>
-                    </a:rPr>
-                    <a:t>Cona-Brain</a:t>
-                  </a:r>
-                  <a:r>
-                    <a:rPr lang="ko-KR" altLang="en-US" sz="1400" b="1" dirty="0">
-                      <a:ea typeface="맑은 고딕"/>
-                    </a:rPr>
-                    <a:t> 3</a:t>
-                  </a:r>
-                </a:p>
-              </p:txBody>
-            </p:sp>
-          </p:grpSp>
-          <p:sp>
-            <p:nvSpPr>
-              <p:cNvPr id="42" name="타원 41">
-                <a:extLst>
-                  <a:ext uri="{FF2B5EF4-FFF2-40B4-BE49-F238E27FC236}">
-                    <a16:creationId xmlns:a16="http://schemas.microsoft.com/office/drawing/2014/main" id="{D4B18C30-30B3-201F-6C88-20559E5AD38B}"/>
-                  </a:ext>
-                </a:extLst>
-              </p:cNvPr>
-              <p:cNvSpPr/>
+              <p:cNvSpPr txBox="1"/>
               <p:nvPr/>
             </p:nvSpPr>
             <p:spPr>
               <a:xfrm>
-                <a:off x="2670175" y="2458506"/>
-                <a:ext cx="762001" cy="515057"/>
+                <a:off x="2856441" y="2581274"/>
+                <a:ext cx="2094089" cy="307777"/>
               </a:xfrm>
-              <a:prstGeom prst="ellipse">
+              <a:prstGeom prst="rect">
                 <a:avLst/>
               </a:prstGeom>
               <a:noFill/>
-              <a:ln>
-                <a:solidFill>
-                  <a:srgbClr val="00B0F0"/>
-                </a:solidFill>
-              </a:ln>
             </p:spPr>
-            <p:style>
-              <a:lnRef idx="2">
-                <a:schemeClr val="accent1">
-                  <a:shade val="50000"/>
-                </a:schemeClr>
-              </a:lnRef>
-              <a:fillRef idx="1">
-                <a:schemeClr val="accent1"/>
-              </a:fillRef>
-              <a:effectRef idx="0">
-                <a:schemeClr val="accent1"/>
-              </a:effectRef>
-              <a:fontRef idx="minor">
-                <a:schemeClr val="lt1"/>
-              </a:fontRef>
-            </p:style>
             <p:txBody>
-              <a:bodyPr lIns="91440" tIns="45720" rIns="91440" bIns="45720" rtlCol="0" anchor="ctr"/>
+              <a:bodyPr rot="0" spcFirstLastPara="0" vertOverflow="overflow" horzOverflow="overflow" vert="horz" wrap="square" lIns="91440" tIns="45720" rIns="91440" bIns="45720" numCol="1" spcCol="0" rtlCol="0" fromWordArt="0" anchor="t" anchorCtr="0" forceAA="0" compatLnSpc="1">
+                <a:prstTxWarp prst="textNoShape">
+                  <a:avLst/>
+                </a:prstTxWarp>
+                <a:spAutoFit/>
+              </a:bodyPr>
               <a:lstStyle/>
               <a:p>
                 <a:pPr algn="ctr"/>
                 <a:r>
-                  <a:rPr lang="ko-KR" altLang="en-US" sz="800" dirty="0" err="1">
+                  <a:rPr lang="ko-KR" altLang="en-US" sz="1400" b="1" dirty="0" err="1">
                     <a:ea typeface="맑은 고딕"/>
                   </a:rPr>
-                  <a:t>Sensor</a:t>
+                  <a:t>Cona-Brain</a:t>
                 </a:r>
                 <a:r>
-                  <a:rPr lang="ko-KR" altLang="en-US" sz="800" dirty="0">
+                  <a:rPr lang="ko-KR" altLang="en-US" sz="1400" b="1" dirty="0">
                     <a:ea typeface="맑은 고딕"/>
                   </a:rPr>
-                  <a:t> </a:t>
+                  <a:t> 3</a:t>
                 </a:r>
-                <a:endParaRPr lang="ko-KR" dirty="0"/>
-              </a:p>
-              <a:p>
-                <a:pPr algn="ctr"/>
-                <a:r>
-                  <a:rPr lang="ko-KR" altLang="en-US" sz="800" dirty="0">
-                    <a:ea typeface="맑은 고딕"/>
-                  </a:rPr>
-                  <a:t>Node2</a:t>
-                </a:r>
-                <a:endParaRPr lang="ko-KR" dirty="0"/>
               </a:p>
             </p:txBody>
           </p:sp>
         </p:grpSp>
+        <p:sp>
+          <p:nvSpPr>
+            <p:cNvPr id="42" name="타원 41">
+              <a:extLst>
+                <a:ext uri="{FF2B5EF4-FFF2-40B4-BE49-F238E27FC236}">
+                  <a16:creationId xmlns:a16="http://schemas.microsoft.com/office/drawing/2014/main" id="{D4B18C30-30B3-201F-6C88-20559E5AD38B}"/>
+                </a:ext>
+              </a:extLst>
+            </p:cNvPr>
+            <p:cNvSpPr/>
+            <p:nvPr/>
+          </p:nvSpPr>
+          <p:spPr>
+            <a:xfrm>
+              <a:off x="2670175" y="2458506"/>
+              <a:ext cx="762001" cy="515057"/>
+            </a:xfrm>
+            <a:prstGeom prst="ellipse">
+              <a:avLst/>
+            </a:prstGeom>
+            <a:noFill/>
+            <a:ln>
+              <a:solidFill>
+                <a:srgbClr val="00B0F0"/>
+              </a:solidFill>
+            </a:ln>
+          </p:spPr>
+          <p:style>
+            <a:lnRef idx="2">
+              <a:schemeClr val="accent1">
+                <a:shade val="50000"/>
+              </a:schemeClr>
+            </a:lnRef>
+            <a:fillRef idx="1">
+              <a:schemeClr val="accent1"/>
+            </a:fillRef>
+            <a:effectRef idx="0">
+              <a:schemeClr val="accent1"/>
+            </a:effectRef>
+            <a:fontRef idx="minor">
+              <a:schemeClr val="lt1"/>
+            </a:fontRef>
+          </p:style>
+          <p:txBody>
+            <a:bodyPr lIns="91440" tIns="45720" rIns="91440" bIns="45720" rtlCol="0" anchor="ctr"/>
+            <a:lstStyle/>
+            <a:p>
+              <a:pPr algn="ctr"/>
+              <a:r>
+                <a:rPr lang="ko-KR" altLang="en-US" sz="800" dirty="0" err="1">
+                  <a:ea typeface="맑은 고딕"/>
+                </a:rPr>
+                <a:t>Sensor</a:t>
+              </a:r>
+              <a:r>
+                <a:rPr lang="ko-KR" altLang="en-US" sz="800" dirty="0">
+                  <a:ea typeface="맑은 고딕"/>
+                </a:rPr>
+                <a:t> </a:t>
+              </a:r>
+              <a:endParaRPr lang="ko-KR" dirty="0"/>
+            </a:p>
+            <a:p>
+              <a:pPr algn="ctr"/>
+              <a:r>
+                <a:rPr lang="ko-KR" altLang="en-US" sz="800" dirty="0">
+                  <a:ea typeface="맑은 고딕"/>
+                </a:rPr>
+                <a:t>Node2</a:t>
+              </a:r>
+              <a:endParaRPr lang="ko-KR" dirty="0"/>
+            </a:p>
+          </p:txBody>
+        </p:sp>
       </p:grpSp>
       <p:cxnSp>
         <p:nvCxnSpPr>
@@ -9070,6 +9104,127 @@
           <a:xfrm flipV="1">
             <a:off x="3742449" y="3411428"/>
             <a:ext cx="1466553" cy="1480619"/>
+          </a:xfrm>
+          <a:prstGeom prst="straightConnector1">
+            <a:avLst/>
+          </a:prstGeom>
+          <a:ln>
+            <a:solidFill>
+              <a:srgbClr val="92D050"/>
+            </a:solidFill>
+            <a:headEnd type="triangle"/>
+            <a:tailEnd type="triangle"/>
+          </a:ln>
+        </p:spPr>
+        <p:style>
+          <a:lnRef idx="1">
+            <a:schemeClr val="accent1"/>
+          </a:lnRef>
+          <a:fillRef idx="0">
+            <a:schemeClr val="accent1"/>
+          </a:fillRef>
+          <a:effectRef idx="0">
+            <a:schemeClr val="accent1"/>
+          </a:effectRef>
+          <a:fontRef idx="minor">
+            <a:schemeClr val="tx1"/>
+          </a:fontRef>
+        </p:style>
+      </p:cxnSp>
+      <p:sp>
+        <p:nvSpPr>
+          <p:cNvPr id="3" name="TextBox 2">
+            <a:extLst>
+              <a:ext uri="{FF2B5EF4-FFF2-40B4-BE49-F238E27FC236}">
+                <a16:creationId xmlns:a16="http://schemas.microsoft.com/office/drawing/2014/main" id="{5154C13B-1B9E-14F0-AD4C-B7694EB5E227}"/>
+              </a:ext>
+            </a:extLst>
+          </p:cNvPr>
+          <p:cNvSpPr txBox="1"/>
+          <p:nvPr/>
+        </p:nvSpPr>
+        <p:spPr>
+          <a:xfrm>
+            <a:off x="4988642" y="5025512"/>
+            <a:ext cx="2472813" cy="430887"/>
+          </a:xfrm>
+          <a:prstGeom prst="rect">
+            <a:avLst/>
+          </a:prstGeom>
+          <a:noFill/>
+        </p:spPr>
+        <p:txBody>
+          <a:bodyPr rot="0" spcFirstLastPara="0" vertOverflow="overflow" horzOverflow="overflow" vert="horz" wrap="square" lIns="91440" tIns="45720" rIns="91440" bIns="45720" numCol="1" spcCol="0" rtlCol="0" fromWordArt="0" anchor="t" anchorCtr="0" forceAA="0" compatLnSpc="1">
+            <a:prstTxWarp prst="textNoShape">
+              <a:avLst/>
+            </a:prstTxWarp>
+            <a:spAutoFit/>
+          </a:bodyPr>
+          <a:lstStyle/>
+          <a:p>
+            <a:r>
+              <a:rPr lang="ko-KR" altLang="en-US" sz="1100" dirty="0" err="1">
+                <a:ea typeface="맑은 고딕"/>
+              </a:rPr>
+              <a:t>Cona</a:t>
+            </a:r>
+            <a:r>
+              <a:rPr lang="ko-KR" altLang="en-US" sz="1100" dirty="0">
+                <a:ea typeface="맑은 고딕"/>
+              </a:rPr>
+              <a:t> </a:t>
+            </a:r>
+            <a:r>
+              <a:rPr lang="ko-KR" altLang="en-US" sz="1100" dirty="0" err="1">
+                <a:ea typeface="맑은 고딕"/>
+              </a:rPr>
+              <a:t>brain</a:t>
+            </a:r>
+            <a:r>
+              <a:rPr lang="ko-KR" altLang="en-US" sz="1100" dirty="0">
+                <a:ea typeface="맑은 고딕"/>
+              </a:rPr>
+              <a:t> 실시간 정보 저장</a:t>
+            </a:r>
+          </a:p>
+          <a:p>
+            <a:r>
+              <a:rPr lang="ko-KR" altLang="en-US" sz="1100" dirty="0">
+                <a:ea typeface="맑은 고딕"/>
+              </a:rPr>
+              <a:t>예) </a:t>
+            </a:r>
+            <a:r>
+              <a:rPr lang="ko-KR" altLang="en-US" sz="1100" dirty="0" err="1">
+                <a:ea typeface="맑은 고딕"/>
+              </a:rPr>
+              <a:t>좌표값</a:t>
+            </a:r>
+            <a:r>
+              <a:rPr lang="ko-KR" altLang="en-US" sz="1100" dirty="0">
+                <a:ea typeface="맑은 고딕"/>
+              </a:rPr>
+              <a:t> 충돌방지용</a:t>
+            </a:r>
+          </a:p>
+        </p:txBody>
+      </p:sp>
+      <p:cxnSp>
+        <p:nvCxnSpPr>
+          <p:cNvPr id="6" name="직선 화살표 연결선 5">
+            <a:extLst>
+              <a:ext uri="{FF2B5EF4-FFF2-40B4-BE49-F238E27FC236}">
+                <a16:creationId xmlns:a16="http://schemas.microsoft.com/office/drawing/2014/main" id="{05F79496-2E1B-7CA9-D2FB-C67A1AF836D5}"/>
+              </a:ext>
+            </a:extLst>
+          </p:cNvPr>
+          <p:cNvCxnSpPr/>
+          <p:nvPr/>
+        </p:nvCxnSpPr>
+        <p:spPr>
+          <a:xfrm flipH="1">
+            <a:off x="6124575" y="4177787"/>
+            <a:ext cx="1229" cy="521111"/>
           </a:xfrm>
           <a:prstGeom prst="straightConnector1">
             <a:avLst/>
